--- a/PRESENTATIONS/2023-09-tpac/2023-09-15-WoT-TPAC-Outreach-Sebastian.pptx
+++ b/PRESENTATIONS/2023-09-tpac/2023-09-15-WoT-TPAC-Outreach-Sebastian.pptx
@@ -8003,12 +8003,14 @@
         </p:nvSpPr>
         <p:spPr/>
         <p:txBody>
-          <a:bodyPr/>
+          <a:bodyPr>
+            <a:normAutofit fontScale="90000"/>
+          </a:bodyPr>
           <a:lstStyle/>
           <a:p>
             <a:r>
               <a:rPr lang="en-US" dirty="0"/>
-              <a:t>Collaboration to improve </a:t>
+              <a:t>W3C collaborations to improve </a:t>
             </a:r>
             <a:r>
               <a:rPr lang="en-US" dirty="0" err="1"/>
@@ -8016,11 +8018,15 @@
             </a:r>
             <a:r>
               <a:rPr lang="en-US" dirty="0"/>
-              <a:t> &amp; extend </a:t>
+              <a:t> technology </a:t>
             </a:r>
             <a:br>
               <a:rPr lang="en-US" dirty="0"/>
             </a:br>
+            <a:r>
+              <a:rPr lang="en-US" dirty="0"/>
+              <a:t>&amp; extend </a:t>
+            </a:r>
             <a:r>
               <a:rPr lang="en-US" dirty="0" err="1"/>
               <a:t>WoT</a:t>
@@ -8249,7 +8255,14 @@
             </a:r>
             <a:r>
               <a:rPr lang="en-US" dirty="0"/>
-              <a:t> discussions in W3C Web-based Digital Twins for Smart Cities Interest Group</a:t>
+              <a:t> discussions in W3C Web-based </a:t>
+            </a:r>
+            <a:br>
+              <a:rPr lang="en-US" dirty="0"/>
+            </a:br>
+            <a:r>
+              <a:rPr lang="en-US" dirty="0"/>
+              <a:t>Digital Twins for Smart Cities Interest Group</a:t>
             </a:r>
             <a:br>
               <a:rPr lang="en-US" dirty="0"/>
